--- a/final_presentation.pptx
+++ b/final_presentation.pptx
@@ -5013,13 +5013,13 @@
           <p:nvPr>
             <p:extLst>
               <p:ext uri="{D42A27DB-BD31-4B8C-83A1-F6EECF244321}">
-                <p14:modId xmlns:p14="http://schemas.microsoft.com/office/powerpoint/2010/main" val="4162451009"/>
+                <p14:modId xmlns:p14="http://schemas.microsoft.com/office/powerpoint/2010/main" val="1673060381"/>
               </p:ext>
             </p:extLst>
           </p:nvPr>
         </p:nvGraphicFramePr>
         <p:xfrm>
-          <a:off x="2520890" y="2255866"/>
+          <a:off x="692090" y="3118014"/>
           <a:ext cx="5698920" cy="2615600"/>
         </p:xfrm>
         <a:graphic>
@@ -10076,6 +10076,44 @@
           </a:graphicData>
         </a:graphic>
       </p:graphicFrame>
+      <p:sp>
+        <p:nvSpPr>
+          <p:cNvPr id="2" name="TextBox 1">
+            <a:extLst>
+              <a:ext uri="{FF2B5EF4-FFF2-40B4-BE49-F238E27FC236}">
+                <a16:creationId xmlns:a16="http://schemas.microsoft.com/office/drawing/2014/main" id="{E218F4AC-FE6A-4A0B-98DE-A538AC8ECEBD}"/>
+              </a:ext>
+            </a:extLst>
+          </p:cNvPr>
+          <p:cNvSpPr txBox="1"/>
+          <p:nvPr/>
+        </p:nvSpPr>
+        <p:spPr>
+          <a:xfrm>
+            <a:off x="7524206" y="3118014"/>
+            <a:ext cx="2651760" cy="646331"/>
+          </a:xfrm>
+          <a:prstGeom prst="rect">
+            <a:avLst/>
+          </a:prstGeom>
+          <a:noFill/>
+        </p:spPr>
+        <p:txBody>
+          <a:bodyPr wrap="square" rtlCol="0">
+            <a:spAutoFit/>
+          </a:bodyPr>
+          <a:lstStyle/>
+          <a:p>
+            <a:r>
+              <a:rPr lang="en-US" dirty="0"/>
+              <a:t>Test</a:t>
+            </a:r>
+          </a:p>
+          <a:p>
+            <a:endParaRPr lang="en-US" dirty="0"/>
+          </a:p>
+        </p:txBody>
+      </p:sp>
     </p:spTree>
     <p:extLst>
       <p:ext uri="{BB962C8B-B14F-4D97-AF65-F5344CB8AC3E}">
@@ -10445,21 +10483,6 @@
 </file>
 
 <file path=customXml/item1.xml><?xml version="1.0" encoding="utf-8"?>
-<p:properties xmlns:p="http://schemas.microsoft.com/office/2006/metadata/properties" xmlns:xsi="http://www.w3.org/2001/XMLSchema-instance" xmlns:pc="http://schemas.microsoft.com/office/infopath/2007/PartnerControls">
-  <documentManagement/>
-</p:properties>
-</file>
-
-<file path=customXml/item2.xml><?xml version="1.0" encoding="utf-8"?>
-<?mso-contentType ?>
-<FormTemplates xmlns="http://schemas.microsoft.com/sharepoint/v3/contenttype/forms">
-  <Display>DocumentLibraryForm</Display>
-  <Edit>DocumentLibraryForm</Edit>
-  <New>DocumentLibraryForm</New>
-</FormTemplates>
-</file>
-
-<file path=customXml/item3.xml><?xml version="1.0" encoding="utf-8"?>
 <ct:contentTypeSchema xmlns:ct="http://schemas.microsoft.com/office/2006/metadata/contentType" xmlns:ma="http://schemas.microsoft.com/office/2006/metadata/properties/metaAttributes" ct:_="" ma:_="" ma:contentTypeName="Document" ma:contentTypeID="0x0101009FA3AADE94004E4CB44AAC3829C6042C" ma:contentTypeVersion="4" ma:contentTypeDescription="Create a new document." ma:contentTypeScope="" ma:versionID="138eb2e4bc8cdf9619a7d787e023ef41">
   <xsd:schema xmlns:xsd="http://www.w3.org/2001/XMLSchema" xmlns:xs="http://www.w3.org/2001/XMLSchema" xmlns:p="http://schemas.microsoft.com/office/2006/metadata/properties" xmlns:ns3="19a128cd-be16-4223-9d5e-e334813b28e7" targetNamespace="http://schemas.microsoft.com/office/2006/metadata/properties" ma:root="true" ma:fieldsID="3650852786c41375afd625436ac9d8da" ns3:_="">
     <xsd:import namespace="19a128cd-be16-4223-9d5e-e334813b28e7"/>
@@ -10605,31 +10628,22 @@
 </ct:contentTypeSchema>
 </file>
 
-<file path=customXml/itemProps1.xml><?xml version="1.0" encoding="utf-8"?>
-<ds:datastoreItem xmlns:ds="http://schemas.openxmlformats.org/officeDocument/2006/customXml" ds:itemID="{FEEBD072-AB20-4D59-809C-204111FEA072}">
-  <ds:schemaRefs>
-    <ds:schemaRef ds:uri="http://purl.org/dc/dcmitype/"/>
-    <ds:schemaRef ds:uri="http://schemas.openxmlformats.org/package/2006/metadata/core-properties"/>
-    <ds:schemaRef ds:uri="19a128cd-be16-4223-9d5e-e334813b28e7"/>
-    <ds:schemaRef ds:uri="http://schemas.microsoft.com/office/2006/documentManagement/types"/>
-    <ds:schemaRef ds:uri="http://purl.org/dc/elements/1.1/"/>
-    <ds:schemaRef ds:uri="http://schemas.microsoft.com/office/infopath/2007/PartnerControls"/>
-    <ds:schemaRef ds:uri="http://schemas.microsoft.com/office/2006/metadata/properties"/>
-    <ds:schemaRef ds:uri="http://www.w3.org/XML/1998/namespace"/>
-    <ds:schemaRef ds:uri="http://purl.org/dc/terms/"/>
-  </ds:schemaRefs>
-</ds:datastoreItem>
+<file path=customXml/item2.xml><?xml version="1.0" encoding="utf-8"?>
+<?mso-contentType ?>
+<FormTemplates xmlns="http://schemas.microsoft.com/sharepoint/v3/contenttype/forms">
+  <Display>DocumentLibraryForm</Display>
+  <Edit>DocumentLibraryForm</Edit>
+  <New>DocumentLibraryForm</New>
+</FormTemplates>
 </file>
 
-<file path=customXml/itemProps2.xml><?xml version="1.0" encoding="utf-8"?>
-<ds:datastoreItem xmlns:ds="http://schemas.openxmlformats.org/officeDocument/2006/customXml" ds:itemID="{02A85411-F5F7-4FF0-BF39-E88BA74AA3DD}">
-  <ds:schemaRefs>
-    <ds:schemaRef ds:uri="http://schemas.microsoft.com/sharepoint/v3/contenttype/forms"/>
-  </ds:schemaRefs>
-</ds:datastoreItem>
+<file path=customXml/item3.xml><?xml version="1.0" encoding="utf-8"?>
+<p:properties xmlns:p="http://schemas.microsoft.com/office/2006/metadata/properties" xmlns:xsi="http://www.w3.org/2001/XMLSchema-instance" xmlns:pc="http://schemas.microsoft.com/office/infopath/2007/PartnerControls">
+  <documentManagement/>
+</p:properties>
 </file>
 
-<file path=customXml/itemProps3.xml><?xml version="1.0" encoding="utf-8"?>
+<file path=customXml/itemProps1.xml><?xml version="1.0" encoding="utf-8"?>
 <ds:datastoreItem xmlns:ds="http://schemas.openxmlformats.org/officeDocument/2006/customXml" ds:itemID="{212D0F3D-5D5B-472E-A5CD-29A68ED6BA3A}">
   <ds:schemaRefs>
     <ds:schemaRef ds:uri="http://schemas.microsoft.com/office/2006/metadata/contentType"/>
@@ -10645,4 +10659,28 @@
     <ds:schemaRef ds:uri="http://schemas.microsoft.com/internal/obd"/>
   </ds:schemaRefs>
 </ds:datastoreItem>
+</file>
+
+<file path=customXml/itemProps2.xml><?xml version="1.0" encoding="utf-8"?>
+<ds:datastoreItem xmlns:ds="http://schemas.openxmlformats.org/officeDocument/2006/customXml" ds:itemID="{02A85411-F5F7-4FF0-BF39-E88BA74AA3DD}">
+  <ds:schemaRefs>
+    <ds:schemaRef ds:uri="http://schemas.microsoft.com/sharepoint/v3/contenttype/forms"/>
+  </ds:schemaRefs>
+</ds:datastoreItem>
+</file>
+
+<file path=customXml/itemProps3.xml><?xml version="1.0" encoding="utf-8"?>
+<ds:datastoreItem xmlns:ds="http://schemas.openxmlformats.org/officeDocument/2006/customXml" ds:itemID="{FEEBD072-AB20-4D59-809C-204111FEA072}">
+  <ds:schemaRefs>
+    <ds:schemaRef ds:uri="http://purl.org/dc/dcmitype/"/>
+    <ds:schemaRef ds:uri="http://schemas.openxmlformats.org/package/2006/metadata/core-properties"/>
+    <ds:schemaRef ds:uri="19a128cd-be16-4223-9d5e-e334813b28e7"/>
+    <ds:schemaRef ds:uri="http://schemas.microsoft.com/office/2006/documentManagement/types"/>
+    <ds:schemaRef ds:uri="http://purl.org/dc/elements/1.1/"/>
+    <ds:schemaRef ds:uri="http://schemas.microsoft.com/office/infopath/2007/PartnerControls"/>
+    <ds:schemaRef ds:uri="http://schemas.microsoft.com/office/2006/metadata/properties"/>
+    <ds:schemaRef ds:uri="http://www.w3.org/XML/1998/namespace"/>
+    <ds:schemaRef ds:uri="http://purl.org/dc/terms/"/>
+  </ds:schemaRefs>
+</ds:datastoreItem>
 </file>